--- a/2024/2024-08-30-AI-Updates.pptx
+++ b/2024/2024-08-30-AI-Updates.pptx
@@ -965,7 +965,7 @@
   <p:cSld>
     <p:spTree>
       <p:nvGrpSpPr>
-        <p:cNvPr id="1" name="Shape 144"/>
+        <p:cNvPr id="1" name="Shape 150"/>
         <p:cNvGrpSpPr/>
         <p:nvPr/>
       </p:nvGrpSpPr>
@@ -979,7 +979,7 @@
       </p:grpSpPr>
       <p:sp>
         <p:nvSpPr>
-          <p:cNvPr id="145" name="Google Shape;145;g2f671184e19_1_0:notes"/>
+          <p:cNvPr id="151" name="Google Shape;151;g2f671184e19_1_0:notes"/>
           <p:cNvSpPr>
             <a:spLocks noGrp="1" noRot="1" noChangeAspect="1"/>
           </p:cNvSpPr>
@@ -1030,7 +1030,7 @@
       </p:sp>
       <p:sp>
         <p:nvSpPr>
-          <p:cNvPr id="146" name="Google Shape;146;g2f671184e19_1_0:notes"/>
+          <p:cNvPr id="152" name="Google Shape;152;g2f671184e19_1_0:notes"/>
           <p:cNvSpPr txBox="1">
             <a:spLocks noGrp="1"/>
           </p:cNvSpPr>
@@ -1087,7 +1087,7 @@
   <p:cSld>
     <p:spTree>
       <p:nvGrpSpPr>
-        <p:cNvPr id="1" name="Shape 153"/>
+        <p:cNvPr id="1" name="Shape 159"/>
         <p:cNvGrpSpPr/>
         <p:nvPr/>
       </p:nvGrpSpPr>
@@ -1101,7 +1101,7 @@
       </p:grpSpPr>
       <p:sp>
         <p:nvSpPr>
-          <p:cNvPr id="154" name="Google Shape;154;g2f671184e19_2_0:notes"/>
+          <p:cNvPr id="160" name="Google Shape;160;g2f671184e19_2_0:notes"/>
           <p:cNvSpPr>
             <a:spLocks noGrp="1" noRot="1" noChangeAspect="1"/>
           </p:cNvSpPr>
@@ -1152,7 +1152,7 @@
       </p:sp>
       <p:sp>
         <p:nvSpPr>
-          <p:cNvPr id="155" name="Google Shape;155;g2f671184e19_2_0:notes"/>
+          <p:cNvPr id="161" name="Google Shape;161;g2f671184e19_2_0:notes"/>
           <p:cNvSpPr txBox="1">
             <a:spLocks noGrp="1"/>
           </p:cNvSpPr>
@@ -1209,7 +1209,7 @@
   <p:cSld>
     <p:spTree>
       <p:nvGrpSpPr>
-        <p:cNvPr id="1" name="Shape 163"/>
+        <p:cNvPr id="1" name="Shape 169"/>
         <p:cNvGrpSpPr/>
         <p:nvPr/>
       </p:nvGrpSpPr>
@@ -1223,7 +1223,7 @@
       </p:grpSpPr>
       <p:sp>
         <p:nvSpPr>
-          <p:cNvPr id="164" name="Google Shape;164;g2f7828c7b4f_0_0:notes"/>
+          <p:cNvPr id="170" name="Google Shape;170;g2f7828c7b4f_0_0:notes"/>
           <p:cNvSpPr>
             <a:spLocks noGrp="1" noRot="1" noChangeAspect="1"/>
           </p:cNvSpPr>
@@ -1274,7 +1274,7 @@
       </p:sp>
       <p:sp>
         <p:nvSpPr>
-          <p:cNvPr id="165" name="Google Shape;165;g2f7828c7b4f_0_0:notes"/>
+          <p:cNvPr id="171" name="Google Shape;171;g2f7828c7b4f_0_0:notes"/>
           <p:cNvSpPr txBox="1">
             <a:spLocks noGrp="1"/>
           </p:cNvSpPr>
@@ -1331,7 +1331,7 @@
   <p:cSld>
     <p:spTree>
       <p:nvGrpSpPr>
-        <p:cNvPr id="1" name="Shape 174"/>
+        <p:cNvPr id="1" name="Shape 180"/>
         <p:cNvGrpSpPr/>
         <p:nvPr/>
       </p:nvGrpSpPr>
@@ -1345,7 +1345,7 @@
       </p:grpSpPr>
       <p:sp>
         <p:nvSpPr>
-          <p:cNvPr id="175" name="Google Shape;175;g2f03ac7ac9f_0_5:notes"/>
+          <p:cNvPr id="181" name="Google Shape;181;g2f03ac7ac9f_0_5:notes"/>
           <p:cNvSpPr>
             <a:spLocks noGrp="1" noRot="1" noChangeAspect="1"/>
           </p:cNvSpPr>
@@ -1396,7 +1396,7 @@
       </p:sp>
       <p:sp>
         <p:nvSpPr>
-          <p:cNvPr id="176" name="Google Shape;176;g2f03ac7ac9f_0_5:notes"/>
+          <p:cNvPr id="182" name="Google Shape;182;g2f03ac7ac9f_0_5:notes"/>
           <p:cNvSpPr txBox="1">
             <a:spLocks noGrp="1"/>
           </p:cNvSpPr>
@@ -1453,7 +1453,7 @@
   <p:cSld>
     <p:spTree>
       <p:nvGrpSpPr>
-        <p:cNvPr id="1" name="Shape 194"/>
+        <p:cNvPr id="1" name="Shape 200"/>
         <p:cNvGrpSpPr/>
         <p:nvPr/>
       </p:nvGrpSpPr>
@@ -1467,7 +1467,7 @@
       </p:grpSpPr>
       <p:sp>
         <p:nvSpPr>
-          <p:cNvPr id="195" name="Google Shape;195;g2f03ac7ac9f_0_17:notes"/>
+          <p:cNvPr id="201" name="Google Shape;201;g2f03ac7ac9f_0_17:notes"/>
           <p:cNvSpPr>
             <a:spLocks noGrp="1" noRot="1" noChangeAspect="1"/>
           </p:cNvSpPr>
@@ -1518,7 +1518,7 @@
       </p:sp>
       <p:sp>
         <p:nvSpPr>
-          <p:cNvPr id="196" name="Google Shape;196;g2f03ac7ac9f_0_17:notes"/>
+          <p:cNvPr id="202" name="Google Shape;202;g2f03ac7ac9f_0_17:notes"/>
           <p:cNvSpPr txBox="1">
             <a:spLocks noGrp="1"/>
           </p:cNvSpPr>
@@ -1575,7 +1575,7 @@
   <p:cSld>
     <p:spTree>
       <p:nvGrpSpPr>
-        <p:cNvPr id="1" name="Shape 214"/>
+        <p:cNvPr id="1" name="Shape 220"/>
         <p:cNvGrpSpPr/>
         <p:nvPr/>
       </p:nvGrpSpPr>
@@ -1589,7 +1589,7 @@
       </p:grpSpPr>
       <p:sp>
         <p:nvSpPr>
-          <p:cNvPr id="215" name="Google Shape;215;g2f5a4c13872_2_0:notes"/>
+          <p:cNvPr id="221" name="Google Shape;221;g2f5a4c13872_2_0:notes"/>
           <p:cNvSpPr>
             <a:spLocks noGrp="1" noRot="1" noChangeAspect="1"/>
           </p:cNvSpPr>
@@ -1640,7 +1640,7 @@
       </p:sp>
       <p:sp>
         <p:nvSpPr>
-          <p:cNvPr id="216" name="Google Shape;216;g2f5a4c13872_2_0:notes"/>
+          <p:cNvPr id="222" name="Google Shape;222;g2f5a4c13872_2_0:notes"/>
           <p:cNvSpPr txBox="1">
             <a:spLocks noGrp="1"/>
           </p:cNvSpPr>
@@ -1697,7 +1697,7 @@
   <p:cSld>
     <p:spTree>
       <p:nvGrpSpPr>
-        <p:cNvPr id="1" name="Shape 229"/>
+        <p:cNvPr id="1" name="Shape 235"/>
         <p:cNvGrpSpPr/>
         <p:nvPr/>
       </p:nvGrpSpPr>
@@ -1711,7 +1711,7 @@
       </p:grpSpPr>
       <p:sp>
         <p:nvSpPr>
-          <p:cNvPr id="230" name="Google Shape;230;p23:notes"/>
+          <p:cNvPr id="236" name="Google Shape;236;p23:notes"/>
           <p:cNvSpPr>
             <a:spLocks noGrp="1" noRot="1" noChangeAspect="1"/>
           </p:cNvSpPr>
@@ -1762,7 +1762,7 @@
       </p:sp>
       <p:sp>
         <p:nvSpPr>
-          <p:cNvPr id="231" name="Google Shape;231;p23:notes"/>
+          <p:cNvPr id="237" name="Google Shape;237;p23:notes"/>
           <p:cNvSpPr txBox="1">
             <a:spLocks noGrp="1"/>
           </p:cNvSpPr>
@@ -2533,7 +2533,7 @@
   <p:cSld>
     <p:spTree>
       <p:nvGrpSpPr>
-        <p:cNvPr id="1" name="Shape 121"/>
+        <p:cNvPr id="1" name="Shape 123"/>
         <p:cNvGrpSpPr/>
         <p:nvPr/>
       </p:nvGrpSpPr>
@@ -2547,7 +2547,7 @@
       </p:grpSpPr>
       <p:sp>
         <p:nvSpPr>
-          <p:cNvPr id="122" name="Google Shape;122;g2f7a95c03b1_0_0:notes"/>
+          <p:cNvPr id="124" name="Google Shape;124;g2f7a95c03b1_0_0:notes"/>
           <p:cNvSpPr>
             <a:spLocks noGrp="1" noRot="1" noChangeAspect="1"/>
           </p:cNvSpPr>
@@ -2598,7 +2598,7 @@
       </p:sp>
       <p:sp>
         <p:nvSpPr>
-          <p:cNvPr id="123" name="Google Shape;123;g2f7a95c03b1_0_0:notes"/>
+          <p:cNvPr id="125" name="Google Shape;125;g2f7a95c03b1_0_0:notes"/>
           <p:cNvSpPr txBox="1">
             <a:spLocks noGrp="1"/>
           </p:cNvSpPr>
@@ -2655,7 +2655,7 @@
   <p:cSld>
     <p:spTree>
       <p:nvGrpSpPr>
-        <p:cNvPr id="1" name="Shape 133"/>
+        <p:cNvPr id="1" name="Shape 139"/>
         <p:cNvGrpSpPr/>
         <p:nvPr/>
       </p:nvGrpSpPr>
@@ -2669,7 +2669,7 @@
       </p:grpSpPr>
       <p:sp>
         <p:nvSpPr>
-          <p:cNvPr id="134" name="Google Shape;134;g2f671184e19_0_0:notes"/>
+          <p:cNvPr id="140" name="Google Shape;140;g2f671184e19_0_0:notes"/>
           <p:cNvSpPr>
             <a:spLocks noGrp="1" noRot="1" noChangeAspect="1"/>
           </p:cNvSpPr>
@@ -2720,7 +2720,7 @@
       </p:sp>
       <p:sp>
         <p:nvSpPr>
-          <p:cNvPr id="135" name="Google Shape;135;g2f671184e19_0_0:notes"/>
+          <p:cNvPr id="141" name="Google Shape;141;g2f671184e19_0_0:notes"/>
           <p:cNvSpPr txBox="1">
             <a:spLocks noGrp="1"/>
           </p:cNvSpPr>
@@ -10833,7 +10833,7 @@
         <p:spPr>
           <a:xfrm>
             <a:off x="83860" y="1135871"/>
-            <a:ext cx="4420200" cy="3417000"/>
+            <a:ext cx="4420200" cy="3879000"/>
           </a:xfrm>
           <a:prstGeom prst="rect">
             <a:avLst/>
@@ -10916,7 +10916,7 @@
                 <a:cs typeface="Calibri"/>
                 <a:sym typeface="Calibri"/>
               </a:rPr>
-              <a:t>inference.cerebras.ai</a:t>
+              <a:t>inference.cerebras.ai - 1,800 tok/sec</a:t>
             </a:r>
             <a:endParaRPr sz="1500" b="1">
               <a:solidFill>
@@ -11361,6 +11361,80 @@
                 <a:sym typeface="Calibri"/>
               </a:rPr>
               <a:t>ChatGPT transforms equations to python</a:t>
+            </a:r>
+            <a:endParaRPr sz="1500" b="1">
+              <a:solidFill>
+                <a:srgbClr val="3C78D8"/>
+              </a:solidFill>
+              <a:latin typeface="Calibri"/>
+              <a:ea typeface="Calibri"/>
+              <a:cs typeface="Calibri"/>
+              <a:sym typeface="Calibri"/>
+            </a:endParaRPr>
+          </a:p>
+          <a:p>
+            <a:pPr marL="228600" lvl="0" indent="-209550" algn="l" rtl="0">
+              <a:spcBef>
+                <a:spcPts val="0"/>
+              </a:spcBef>
+              <a:spcAft>
+                <a:spcPts val="0"/>
+              </a:spcAft>
+              <a:buClr>
+                <a:srgbClr val="3C78D8"/>
+              </a:buClr>
+              <a:buSzPts val="1500"/>
+              <a:buFont typeface="Calibri"/>
+              <a:buChar char="●"/>
+            </a:pPr>
+            <a:r>
+              <a:rPr lang="en" sz="1500" b="1">
+                <a:solidFill>
+                  <a:srgbClr val="3C78D8"/>
+                </a:solidFill>
+                <a:latin typeface="Calibri"/>
+                <a:ea typeface="Calibri"/>
+                <a:cs typeface="Calibri"/>
+                <a:sym typeface="Calibri"/>
+              </a:rPr>
+              <a:t>OpenAI to raise money at $100 Bln valuation</a:t>
+            </a:r>
+            <a:endParaRPr sz="1500" b="1">
+              <a:solidFill>
+                <a:srgbClr val="3C78D8"/>
+              </a:solidFill>
+              <a:latin typeface="Calibri"/>
+              <a:ea typeface="Calibri"/>
+              <a:cs typeface="Calibri"/>
+              <a:sym typeface="Calibri"/>
+            </a:endParaRPr>
+          </a:p>
+          <a:p>
+            <a:pPr marL="228600" lvl="0" indent="-209550" algn="l" rtl="0">
+              <a:spcBef>
+                <a:spcPts val="0"/>
+              </a:spcBef>
+              <a:spcAft>
+                <a:spcPts val="0"/>
+              </a:spcAft>
+              <a:buClr>
+                <a:srgbClr val="3C78D8"/>
+              </a:buClr>
+              <a:buSzPts val="1500"/>
+              <a:buFont typeface="Calibri"/>
+              <a:buChar char="●"/>
+            </a:pPr>
+            <a:r>
+              <a:rPr lang="en" sz="1500" b="1">
+                <a:solidFill>
+                  <a:srgbClr val="3C78D8"/>
+                </a:solidFill>
+                <a:latin typeface="Calibri"/>
+                <a:ea typeface="Calibri"/>
+                <a:cs typeface="Calibri"/>
+                <a:sym typeface="Calibri"/>
+              </a:rPr>
+              <a:t>OpenAI - Orion &amp; Strawberry</a:t>
             </a:r>
             <a:endParaRPr sz="1500" b="1">
               <a:solidFill>
@@ -11383,7 +11457,7 @@
         <p:spPr>
           <a:xfrm>
             <a:off x="4633738" y="1132319"/>
-            <a:ext cx="4420200" cy="3417000"/>
+            <a:ext cx="4420200" cy="3879000"/>
           </a:xfrm>
           <a:prstGeom prst="rect">
             <a:avLst/>
@@ -11432,7 +11506,7 @@
                 <a:cs typeface="Calibri"/>
                 <a:sym typeface="Calibri"/>
               </a:rPr>
-              <a:t>OpenAI to raise money at $100 Bln valuation</a:t>
+              <a:t>OpenAI ChatGPT hits 200 million weekly users</a:t>
             </a:r>
             <a:endParaRPr sz="1500" b="1">
               <a:solidFill>
@@ -11472,7 +11546,7 @@
                 <a:cs typeface="Calibri"/>
                 <a:sym typeface="Calibri"/>
               </a:rPr>
-              <a:t>OpenAI - Orion &amp; Strawberry</a:t>
+              <a:t>Google GameNGen simulates DOOM</a:t>
             </a:r>
             <a:endParaRPr sz="1500" b="1">
               <a:solidFill>
@@ -11512,7 +11586,7 @@
                 <a:cs typeface="Calibri"/>
                 <a:sym typeface="Calibri"/>
               </a:rPr>
-              <a:t>Google GameNGen simulates DOOM</a:t>
+              <a:t>California AI safety bill, SB 1047</a:t>
             </a:r>
             <a:endParaRPr sz="1500" b="1">
               <a:solidFill>
@@ -11552,7 +11626,7 @@
                 <a:cs typeface="Calibri"/>
                 <a:sym typeface="Calibri"/>
               </a:rPr>
-              <a:t>California AI safety bill, SB 1047</a:t>
+              <a:t>Magic coding startup secures $320M</a:t>
             </a:r>
             <a:endParaRPr sz="1500" b="1">
               <a:solidFill>
@@ -11592,7 +11666,7 @@
                 <a:cs typeface="Calibri"/>
                 <a:sym typeface="Calibri"/>
               </a:rPr>
-              <a:t>Magic coding startup secures $320M</a:t>
+              <a:t>Magic has 100 Mln tokens context length !</a:t>
             </a:r>
             <a:endParaRPr sz="1500" b="1">
               <a:solidFill>
@@ -11673,6 +11747,86 @@
                 <a:sym typeface="Calibri"/>
               </a:rPr>
               <a:t>Big investments into AI in US and Europe</a:t>
+            </a:r>
+            <a:endParaRPr sz="1500" b="1">
+              <a:solidFill>
+                <a:srgbClr val="3C78D8"/>
+              </a:solidFill>
+              <a:latin typeface="Calibri"/>
+              <a:ea typeface="Calibri"/>
+              <a:cs typeface="Calibri"/>
+              <a:sym typeface="Calibri"/>
+            </a:endParaRPr>
+          </a:p>
+          <a:p>
+            <a:pPr marL="228600" marR="0" lvl="0" indent="-209550" algn="l" rtl="0">
+              <a:lnSpc>
+                <a:spcPct val="100000"/>
+              </a:lnSpc>
+              <a:spcBef>
+                <a:spcPts val="0"/>
+              </a:spcBef>
+              <a:spcAft>
+                <a:spcPts val="0"/>
+              </a:spcAft>
+              <a:buClr>
+                <a:srgbClr val="3C78D8"/>
+              </a:buClr>
+              <a:buSzPts val="1500"/>
+              <a:buFont typeface="Calibri"/>
+              <a:buChar char="●"/>
+            </a:pPr>
+            <a:r>
+              <a:rPr lang="en" sz="1500" b="1">
+                <a:solidFill>
+                  <a:srgbClr val="3C78D8"/>
+                </a:solidFill>
+                <a:latin typeface="Calibri"/>
+                <a:ea typeface="Calibri"/>
+                <a:cs typeface="Calibri"/>
+                <a:sym typeface="Calibri"/>
+              </a:rPr>
+              <a:t>Alibaba releases Qwen2-VL</a:t>
+            </a:r>
+            <a:endParaRPr sz="1500" b="1">
+              <a:solidFill>
+                <a:srgbClr val="3C78D8"/>
+              </a:solidFill>
+              <a:latin typeface="Calibri"/>
+              <a:ea typeface="Calibri"/>
+              <a:cs typeface="Calibri"/>
+              <a:sym typeface="Calibri"/>
+            </a:endParaRPr>
+          </a:p>
+          <a:p>
+            <a:pPr marL="228600" marR="0" lvl="0" indent="-209550" algn="l" rtl="0">
+              <a:lnSpc>
+                <a:spcPct val="100000"/>
+              </a:lnSpc>
+              <a:spcBef>
+                <a:spcPts val="0"/>
+              </a:spcBef>
+              <a:spcAft>
+                <a:spcPts val="0"/>
+              </a:spcAft>
+              <a:buClr>
+                <a:srgbClr val="3C78D8"/>
+              </a:buClr>
+              <a:buSzPts val="1500"/>
+              <a:buFont typeface="Calibri"/>
+              <a:buChar char="●"/>
+            </a:pPr>
+            <a:r>
+              <a:rPr lang="en" sz="1500" b="1">
+                <a:solidFill>
+                  <a:srgbClr val="3C78D8"/>
+                </a:solidFill>
+                <a:latin typeface="Calibri"/>
+                <a:ea typeface="Calibri"/>
+                <a:cs typeface="Calibri"/>
+                <a:sym typeface="Calibri"/>
+              </a:rPr>
+              <a:t>Meta Llama 350 Mln downloads on HF</a:t>
             </a:r>
             <a:endParaRPr sz="1500" b="1">
               <a:solidFill>
@@ -12097,7 +12251,7 @@
   <p:cSld>
     <p:spTree>
       <p:nvGrpSpPr>
-        <p:cNvPr id="1" name="Shape 147"/>
+        <p:cNvPr id="1" name="Shape 153"/>
         <p:cNvGrpSpPr/>
         <p:nvPr/>
       </p:nvGrpSpPr>
@@ -12111,7 +12265,7 @@
       </p:grpSpPr>
       <p:sp>
         <p:nvSpPr>
-          <p:cNvPr id="148" name="Google Shape;148;p23"/>
+          <p:cNvPr id="154" name="Google Shape;154;p23"/>
           <p:cNvSpPr txBox="1"/>
           <p:nvPr/>
         </p:nvSpPr>
@@ -12174,7 +12328,7 @@
       </p:sp>
       <p:sp>
         <p:nvSpPr>
-          <p:cNvPr id="149" name="Google Shape;149;p23"/>
+          <p:cNvPr id="155" name="Google Shape;155;p23"/>
           <p:cNvSpPr txBox="1"/>
           <p:nvPr/>
         </p:nvSpPr>
@@ -12563,7 +12717,7 @@
       </p:sp>
       <p:sp>
         <p:nvSpPr>
-          <p:cNvPr id="150" name="Google Shape;150;p23"/>
+          <p:cNvPr id="156" name="Google Shape;156;p23"/>
           <p:cNvSpPr txBox="1"/>
           <p:nvPr/>
         </p:nvSpPr>
@@ -12765,7 +12919,7 @@
       </p:sp>
       <p:pic>
         <p:nvPicPr>
-          <p:cNvPr id="151" name="Google Shape;151;p23"/>
+          <p:cNvPr id="157" name="Google Shape;157;p23"/>
           <p:cNvPicPr preferRelativeResize="0"/>
           <p:nvPr/>
         </p:nvPicPr>
@@ -12798,7 +12952,7 @@
       </p:pic>
       <p:sp>
         <p:nvSpPr>
-          <p:cNvPr id="152" name="Google Shape;152;p23"/>
+          <p:cNvPr id="158" name="Google Shape;158;p23"/>
           <p:cNvSpPr txBox="1"/>
           <p:nvPr/>
         </p:nvSpPr>
@@ -12875,7 +13029,7 @@
   <p:cSld>
     <p:spTree>
       <p:nvGrpSpPr>
-        <p:cNvPr id="1" name="Shape 156"/>
+        <p:cNvPr id="1" name="Shape 162"/>
         <p:cNvGrpSpPr/>
         <p:nvPr/>
       </p:nvGrpSpPr>
@@ -12889,7 +13043,7 @@
       </p:grpSpPr>
       <p:sp>
         <p:nvSpPr>
-          <p:cNvPr id="157" name="Google Shape;157;p24"/>
+          <p:cNvPr id="163" name="Google Shape;163;p24"/>
           <p:cNvSpPr txBox="1"/>
           <p:nvPr/>
         </p:nvSpPr>
@@ -12952,7 +13106,7 @@
       </p:sp>
       <p:sp>
         <p:nvSpPr>
-          <p:cNvPr id="158" name="Google Shape;158;p24"/>
+          <p:cNvPr id="164" name="Google Shape;164;p24"/>
           <p:cNvSpPr txBox="1"/>
           <p:nvPr/>
         </p:nvSpPr>
@@ -13491,7 +13645,7 @@
                 <a:cs typeface="Calibri"/>
                 <a:sym typeface="Calibri"/>
               </a:rPr>
-              <a:t>Alternative way to to speedup calculations is to use CPUs with large number of cores. For example AMD Epyc:</a:t>
+              <a:t>Alternative way to speedup calculations is to use CPUs with large number of cores. For example AMD Epyc:</a:t>
             </a:r>
             <a:endParaRPr sz="1200">
               <a:solidFill>
@@ -13670,7 +13824,7 @@
       </p:sp>
       <p:pic>
         <p:nvPicPr>
-          <p:cNvPr id="159" name="Google Shape;159;p24"/>
+          <p:cNvPr id="165" name="Google Shape;165;p24"/>
           <p:cNvPicPr preferRelativeResize="0"/>
           <p:nvPr/>
         </p:nvPicPr>
@@ -13709,7 +13863,7 @@
       </p:pic>
       <p:pic>
         <p:nvPicPr>
-          <p:cNvPr id="160" name="Google Shape;160;p24"/>
+          <p:cNvPr id="166" name="Google Shape;166;p24"/>
           <p:cNvPicPr preferRelativeResize="0"/>
           <p:nvPr/>
         </p:nvPicPr>
@@ -13748,7 +13902,7 @@
       </p:pic>
       <p:pic>
         <p:nvPicPr>
-          <p:cNvPr id="161" name="Google Shape;161;p24"/>
+          <p:cNvPr id="167" name="Google Shape;167;p24"/>
           <p:cNvPicPr preferRelativeResize="0"/>
           <p:nvPr/>
         </p:nvPicPr>
@@ -13786,7 +13940,7 @@
       </p:pic>
       <p:sp>
         <p:nvSpPr>
-          <p:cNvPr id="162" name="Google Shape;162;p24"/>
+          <p:cNvPr id="168" name="Google Shape;168;p24"/>
           <p:cNvSpPr txBox="1"/>
           <p:nvPr/>
         </p:nvSpPr>
@@ -13863,7 +14017,7 @@
   <p:cSld>
     <p:spTree>
       <p:nvGrpSpPr>
-        <p:cNvPr id="1" name="Shape 166"/>
+        <p:cNvPr id="1" name="Shape 172"/>
         <p:cNvGrpSpPr/>
         <p:nvPr/>
       </p:nvGrpSpPr>
@@ -13877,7 +14031,7 @@
       </p:grpSpPr>
       <p:sp>
         <p:nvSpPr>
-          <p:cNvPr id="167" name="Google Shape;167;p25"/>
+          <p:cNvPr id="173" name="Google Shape;173;p25"/>
           <p:cNvSpPr txBox="1"/>
           <p:nvPr/>
         </p:nvSpPr>
@@ -13940,7 +14094,7 @@
       </p:sp>
       <p:sp>
         <p:nvSpPr>
-          <p:cNvPr id="168" name="Google Shape;168;p25"/>
+          <p:cNvPr id="174" name="Google Shape;174;p25"/>
           <p:cNvSpPr txBox="1"/>
           <p:nvPr/>
         </p:nvSpPr>
@@ -14456,7 +14610,7 @@
       </p:sp>
       <p:pic>
         <p:nvPicPr>
-          <p:cNvPr id="169" name="Google Shape;169;p25"/>
+          <p:cNvPr id="175" name="Google Shape;175;p25"/>
           <p:cNvPicPr preferRelativeResize="0"/>
           <p:nvPr/>
         </p:nvPicPr>
@@ -14495,7 +14649,7 @@
       </p:pic>
       <p:pic>
         <p:nvPicPr>
-          <p:cNvPr id="170" name="Google Shape;170;p25"/>
+          <p:cNvPr id="176" name="Google Shape;176;p25"/>
           <p:cNvPicPr preferRelativeResize="0"/>
           <p:nvPr/>
         </p:nvPicPr>
@@ -14534,7 +14688,7 @@
       </p:pic>
       <p:pic>
         <p:nvPicPr>
-          <p:cNvPr id="171" name="Google Shape;171;p25"/>
+          <p:cNvPr id="177" name="Google Shape;177;p25"/>
           <p:cNvPicPr preferRelativeResize="0"/>
           <p:nvPr/>
         </p:nvPicPr>
@@ -14573,7 +14727,7 @@
       </p:pic>
       <p:sp>
         <p:nvSpPr>
-          <p:cNvPr id="172" name="Google Shape;172;p25"/>
+          <p:cNvPr id="178" name="Google Shape;178;p25"/>
           <p:cNvSpPr txBox="1"/>
           <p:nvPr/>
         </p:nvSpPr>
@@ -14711,7 +14865,7 @@
       </p:sp>
       <p:sp>
         <p:nvSpPr>
-          <p:cNvPr id="173" name="Google Shape;173;p25"/>
+          <p:cNvPr id="179" name="Google Shape;179;p25"/>
           <p:cNvSpPr txBox="1"/>
           <p:nvPr/>
         </p:nvSpPr>
@@ -14860,7 +15014,7 @@
   <p:cSld>
     <p:spTree>
       <p:nvGrpSpPr>
-        <p:cNvPr id="1" name="Shape 177"/>
+        <p:cNvPr id="1" name="Shape 183"/>
         <p:cNvGrpSpPr/>
         <p:nvPr/>
       </p:nvGrpSpPr>
@@ -14874,7 +15028,7 @@
       </p:grpSpPr>
       <p:sp>
         <p:nvSpPr>
-          <p:cNvPr id="178" name="Google Shape;178;p26"/>
+          <p:cNvPr id="184" name="Google Shape;184;p26"/>
           <p:cNvSpPr txBox="1"/>
           <p:nvPr/>
         </p:nvSpPr>
@@ -15035,7 +15189,7 @@
       </p:sp>
       <p:sp>
         <p:nvSpPr>
-          <p:cNvPr id="179" name="Google Shape;179;p26"/>
+          <p:cNvPr id="185" name="Google Shape;185;p26"/>
           <p:cNvSpPr txBox="1"/>
           <p:nvPr/>
         </p:nvSpPr>
@@ -15149,7 +15303,7 @@
       </p:sp>
       <p:sp>
         <p:nvSpPr>
-          <p:cNvPr id="180" name="Google Shape;180;p26"/>
+          <p:cNvPr id="186" name="Google Shape;186;p26"/>
           <p:cNvSpPr txBox="1"/>
           <p:nvPr/>
         </p:nvSpPr>
@@ -15215,7 +15369,7 @@
       </p:sp>
       <p:sp>
         <p:nvSpPr>
-          <p:cNvPr id="181" name="Google Shape;181;p26"/>
+          <p:cNvPr id="187" name="Google Shape;187;p26"/>
           <p:cNvSpPr txBox="1"/>
           <p:nvPr/>
         </p:nvSpPr>
@@ -15306,7 +15460,7 @@
       </p:sp>
       <p:sp>
         <p:nvSpPr>
-          <p:cNvPr id="182" name="Google Shape;182;p26"/>
+          <p:cNvPr id="188" name="Google Shape;188;p26"/>
           <p:cNvSpPr txBox="1"/>
           <p:nvPr/>
         </p:nvSpPr>
@@ -15380,7 +15534,7 @@
       </p:sp>
       <p:sp>
         <p:nvSpPr>
-          <p:cNvPr id="183" name="Google Shape;183;p26"/>
+          <p:cNvPr id="189" name="Google Shape;189;p26"/>
           <p:cNvSpPr/>
           <p:nvPr/>
         </p:nvSpPr>
@@ -15426,7 +15580,7 @@
       </p:sp>
       <p:sp>
         <p:nvSpPr>
-          <p:cNvPr id="184" name="Google Shape;184;p26"/>
+          <p:cNvPr id="190" name="Google Shape;190;p26"/>
           <p:cNvSpPr/>
           <p:nvPr/>
         </p:nvSpPr>
@@ -15472,7 +15626,7 @@
       </p:sp>
       <p:sp>
         <p:nvSpPr>
-          <p:cNvPr id="185" name="Google Shape;185;p26"/>
+          <p:cNvPr id="191" name="Google Shape;191;p26"/>
           <p:cNvSpPr/>
           <p:nvPr/>
         </p:nvSpPr>
@@ -15518,7 +15672,7 @@
       </p:sp>
       <p:sp>
         <p:nvSpPr>
-          <p:cNvPr id="186" name="Google Shape;186;p26"/>
+          <p:cNvPr id="192" name="Google Shape;192;p26"/>
           <p:cNvSpPr/>
           <p:nvPr/>
         </p:nvSpPr>
@@ -15564,7 +15718,7 @@
       </p:sp>
       <p:sp>
         <p:nvSpPr>
-          <p:cNvPr id="187" name="Google Shape;187;p26"/>
+          <p:cNvPr id="193" name="Google Shape;193;p26"/>
           <p:cNvSpPr/>
           <p:nvPr/>
         </p:nvSpPr>
@@ -15610,7 +15764,7 @@
       </p:sp>
       <p:sp>
         <p:nvSpPr>
-          <p:cNvPr id="188" name="Google Shape;188;p26"/>
+          <p:cNvPr id="194" name="Google Shape;194;p26"/>
           <p:cNvSpPr/>
           <p:nvPr/>
         </p:nvSpPr>
@@ -15656,7 +15810,7 @@
       </p:sp>
       <p:sp>
         <p:nvSpPr>
-          <p:cNvPr id="189" name="Google Shape;189;p26"/>
+          <p:cNvPr id="195" name="Google Shape;195;p26"/>
           <p:cNvSpPr/>
           <p:nvPr/>
         </p:nvSpPr>
@@ -15702,7 +15856,7 @@
       </p:sp>
       <p:pic>
         <p:nvPicPr>
-          <p:cNvPr id="190" name="Google Shape;190;p26"/>
+          <p:cNvPr id="196" name="Google Shape;196;p26"/>
           <p:cNvPicPr preferRelativeResize="0"/>
           <p:nvPr/>
         </p:nvPicPr>
@@ -15741,7 +15895,7 @@
       </p:pic>
       <p:pic>
         <p:nvPicPr>
-          <p:cNvPr id="191" name="Google Shape;191;p26"/>
+          <p:cNvPr id="197" name="Google Shape;197;p26"/>
           <p:cNvPicPr preferRelativeResize="0"/>
           <p:nvPr/>
         </p:nvPicPr>
@@ -15780,7 +15934,7 @@
       </p:pic>
       <p:sp>
         <p:nvSpPr>
-          <p:cNvPr id="192" name="Google Shape;192;p26"/>
+          <p:cNvPr id="198" name="Google Shape;198;p26"/>
           <p:cNvSpPr/>
           <p:nvPr/>
         </p:nvSpPr>
@@ -15826,7 +15980,7 @@
       </p:sp>
       <p:sp>
         <p:nvSpPr>
-          <p:cNvPr id="193" name="Google Shape;193;p26"/>
+          <p:cNvPr id="199" name="Google Shape;199;p26"/>
           <p:cNvSpPr/>
           <p:nvPr/>
         </p:nvSpPr>
@@ -15883,7 +16037,7 @@
   <p:cSld>
     <p:spTree>
       <p:nvGrpSpPr>
-        <p:cNvPr id="1" name="Shape 197"/>
+        <p:cNvPr id="1" name="Shape 203"/>
         <p:cNvGrpSpPr/>
         <p:nvPr/>
       </p:nvGrpSpPr>
@@ -15897,7 +16051,7 @@
       </p:grpSpPr>
       <p:sp>
         <p:nvSpPr>
-          <p:cNvPr id="198" name="Google Shape;198;p27"/>
+          <p:cNvPr id="204" name="Google Shape;204;p27"/>
           <p:cNvSpPr txBox="1"/>
           <p:nvPr/>
         </p:nvSpPr>
@@ -16011,7 +16165,7 @@
       </p:sp>
       <p:sp>
         <p:nvSpPr>
-          <p:cNvPr id="199" name="Google Shape;199;p27"/>
+          <p:cNvPr id="205" name="Google Shape;205;p27"/>
           <p:cNvSpPr txBox="1"/>
           <p:nvPr/>
         </p:nvSpPr>
@@ -16077,7 +16231,7 @@
       </p:sp>
       <p:sp>
         <p:nvSpPr>
-          <p:cNvPr id="200" name="Google Shape;200;p27"/>
+          <p:cNvPr id="206" name="Google Shape;206;p27"/>
           <p:cNvSpPr txBox="1"/>
           <p:nvPr/>
         </p:nvSpPr>
@@ -16168,7 +16322,7 @@
       </p:sp>
       <p:sp>
         <p:nvSpPr>
-          <p:cNvPr id="201" name="Google Shape;201;p27"/>
+          <p:cNvPr id="207" name="Google Shape;207;p27"/>
           <p:cNvSpPr txBox="1"/>
           <p:nvPr/>
         </p:nvSpPr>
@@ -16242,7 +16396,7 @@
       </p:sp>
       <p:sp>
         <p:nvSpPr>
-          <p:cNvPr id="202" name="Google Shape;202;p27"/>
+          <p:cNvPr id="208" name="Google Shape;208;p27"/>
           <p:cNvSpPr/>
           <p:nvPr/>
         </p:nvSpPr>
@@ -16288,7 +16442,7 @@
       </p:sp>
       <p:sp>
         <p:nvSpPr>
-          <p:cNvPr id="203" name="Google Shape;203;p27"/>
+          <p:cNvPr id="209" name="Google Shape;209;p27"/>
           <p:cNvSpPr/>
           <p:nvPr/>
         </p:nvSpPr>
@@ -16334,7 +16488,7 @@
       </p:sp>
       <p:sp>
         <p:nvSpPr>
-          <p:cNvPr id="204" name="Google Shape;204;p27"/>
+          <p:cNvPr id="210" name="Google Shape;210;p27"/>
           <p:cNvSpPr/>
           <p:nvPr/>
         </p:nvSpPr>
@@ -16380,7 +16534,7 @@
       </p:sp>
       <p:sp>
         <p:nvSpPr>
-          <p:cNvPr id="205" name="Google Shape;205;p27"/>
+          <p:cNvPr id="211" name="Google Shape;211;p27"/>
           <p:cNvSpPr/>
           <p:nvPr/>
         </p:nvSpPr>
@@ -16426,7 +16580,7 @@
       </p:sp>
       <p:sp>
         <p:nvSpPr>
-          <p:cNvPr id="206" name="Google Shape;206;p27"/>
+          <p:cNvPr id="212" name="Google Shape;212;p27"/>
           <p:cNvSpPr/>
           <p:nvPr/>
         </p:nvSpPr>
@@ -16472,7 +16626,7 @@
       </p:sp>
       <p:sp>
         <p:nvSpPr>
-          <p:cNvPr id="207" name="Google Shape;207;p27"/>
+          <p:cNvPr id="213" name="Google Shape;213;p27"/>
           <p:cNvSpPr/>
           <p:nvPr/>
         </p:nvSpPr>
@@ -16518,7 +16672,7 @@
       </p:sp>
       <p:sp>
         <p:nvSpPr>
-          <p:cNvPr id="208" name="Google Shape;208;p27"/>
+          <p:cNvPr id="214" name="Google Shape;214;p27"/>
           <p:cNvSpPr/>
           <p:nvPr/>
         </p:nvSpPr>
@@ -16564,7 +16718,7 @@
       </p:sp>
       <p:sp>
         <p:nvSpPr>
-          <p:cNvPr id="209" name="Google Shape;209;p27"/>
+          <p:cNvPr id="215" name="Google Shape;215;p27"/>
           <p:cNvSpPr txBox="1"/>
           <p:nvPr/>
         </p:nvSpPr>
@@ -16725,7 +16879,7 @@
       </p:sp>
       <p:sp>
         <p:nvSpPr>
-          <p:cNvPr id="210" name="Google Shape;210;p27"/>
+          <p:cNvPr id="216" name="Google Shape;216;p27"/>
           <p:cNvSpPr/>
           <p:nvPr/>
         </p:nvSpPr>
@@ -16771,7 +16925,7 @@
       </p:sp>
       <p:sp>
         <p:nvSpPr>
-          <p:cNvPr id="211" name="Google Shape;211;p27"/>
+          <p:cNvPr id="217" name="Google Shape;217;p27"/>
           <p:cNvSpPr/>
           <p:nvPr/>
         </p:nvSpPr>
@@ -16817,7 +16971,7 @@
       </p:sp>
       <p:pic>
         <p:nvPicPr>
-          <p:cNvPr id="212" name="Google Shape;212;p27"/>
+          <p:cNvPr id="218" name="Google Shape;218;p27"/>
           <p:cNvPicPr preferRelativeResize="0"/>
           <p:nvPr/>
         </p:nvPicPr>
@@ -16856,7 +17010,7 @@
       </p:pic>
       <p:pic>
         <p:nvPicPr>
-          <p:cNvPr id="213" name="Google Shape;213;p27"/>
+          <p:cNvPr id="219" name="Google Shape;219;p27"/>
           <p:cNvPicPr preferRelativeResize="0"/>
           <p:nvPr/>
         </p:nvPicPr>
@@ -16906,7 +17060,7 @@
   <p:cSld>
     <p:spTree>
       <p:nvGrpSpPr>
-        <p:cNvPr id="1" name="Shape 217"/>
+        <p:cNvPr id="1" name="Shape 223"/>
         <p:cNvGrpSpPr/>
         <p:nvPr/>
       </p:nvGrpSpPr>
@@ -16920,7 +17074,7 @@
       </p:grpSpPr>
       <p:pic>
         <p:nvPicPr>
-          <p:cNvPr id="218" name="Google Shape;218;p28"/>
+          <p:cNvPr id="224" name="Google Shape;224;p28"/>
           <p:cNvPicPr preferRelativeResize="0"/>
           <p:nvPr/>
         </p:nvPicPr>
@@ -16953,7 +17107,7 @@
       </p:pic>
       <p:sp>
         <p:nvSpPr>
-          <p:cNvPr id="219" name="Google Shape;219;p28"/>
+          <p:cNvPr id="225" name="Google Shape;225;p28"/>
           <p:cNvSpPr/>
           <p:nvPr/>
         </p:nvSpPr>
@@ -16997,7 +17151,7 @@
       </p:sp>
       <p:sp>
         <p:nvSpPr>
-          <p:cNvPr id="220" name="Google Shape;220;p28"/>
+          <p:cNvPr id="226" name="Google Shape;226;p28"/>
           <p:cNvSpPr txBox="1"/>
           <p:nvPr/>
         </p:nvSpPr>
@@ -17063,7 +17217,7 @@
       </p:sp>
       <p:sp>
         <p:nvSpPr>
-          <p:cNvPr id="221" name="Google Shape;221;p28"/>
+          <p:cNvPr id="227" name="Google Shape;227;p28"/>
           <p:cNvSpPr txBox="1"/>
           <p:nvPr/>
         </p:nvSpPr>
@@ -17154,7 +17308,7 @@
       </p:sp>
       <p:sp>
         <p:nvSpPr>
-          <p:cNvPr id="222" name="Google Shape;222;p28"/>
+          <p:cNvPr id="228" name="Google Shape;228;p28"/>
           <p:cNvSpPr txBox="1"/>
           <p:nvPr/>
         </p:nvSpPr>
@@ -17274,7 +17428,7 @@
       </p:sp>
       <p:sp>
         <p:nvSpPr>
-          <p:cNvPr id="223" name="Google Shape;223;p28"/>
+          <p:cNvPr id="229" name="Google Shape;229;p28"/>
           <p:cNvSpPr/>
           <p:nvPr/>
         </p:nvSpPr>
@@ -17318,7 +17472,7 @@
       </p:sp>
       <p:sp>
         <p:nvSpPr>
-          <p:cNvPr id="224" name="Google Shape;224;p28"/>
+          <p:cNvPr id="230" name="Google Shape;230;p28"/>
           <p:cNvSpPr/>
           <p:nvPr/>
         </p:nvSpPr>
@@ -17367,7 +17521,7 @@
       </p:sp>
       <p:pic>
         <p:nvPicPr>
-          <p:cNvPr id="225" name="Google Shape;225;p28"/>
+          <p:cNvPr id="231" name="Google Shape;231;p28"/>
           <p:cNvPicPr preferRelativeResize="0"/>
           <p:nvPr/>
         </p:nvPicPr>
@@ -17399,7 +17553,7 @@
       </p:pic>
       <p:sp>
         <p:nvSpPr>
-          <p:cNvPr id="226" name="Google Shape;226;p28"/>
+          <p:cNvPr id="232" name="Google Shape;232;p28"/>
           <p:cNvSpPr txBox="1"/>
           <p:nvPr/>
         </p:nvSpPr>
@@ -17516,7 +17670,7 @@
       </p:sp>
       <p:pic>
         <p:nvPicPr>
-          <p:cNvPr id="227" name="Google Shape;227;p28"/>
+          <p:cNvPr id="233" name="Google Shape;233;p28"/>
           <p:cNvPicPr preferRelativeResize="0"/>
           <p:nvPr/>
         </p:nvPicPr>
@@ -17549,7 +17703,7 @@
       </p:pic>
       <p:cxnSp>
         <p:nvCxnSpPr>
-          <p:cNvPr id="228" name="Google Shape;228;p28"/>
+          <p:cNvPr id="234" name="Google Shape;234;p28"/>
           <p:cNvCxnSpPr/>
           <p:nvPr/>
         </p:nvCxnSpPr>
@@ -17586,7 +17740,7 @@
   <p:cSld>
     <p:spTree>
       <p:nvGrpSpPr>
-        <p:cNvPr id="1" name="Shape 232"/>
+        <p:cNvPr id="1" name="Shape 238"/>
         <p:cNvGrpSpPr/>
         <p:nvPr/>
       </p:nvGrpSpPr>
@@ -17600,7 +17754,7 @@
       </p:grpSpPr>
       <p:sp>
         <p:nvSpPr>
-          <p:cNvPr id="233" name="Google Shape;233;p29"/>
+          <p:cNvPr id="239" name="Google Shape;239;p29"/>
           <p:cNvSpPr txBox="1"/>
           <p:nvPr/>
         </p:nvSpPr>
@@ -21627,7 +21781,7 @@
         </p:nvSpPr>
         <p:spPr>
           <a:xfrm>
-            <a:off x="51291" y="1471361"/>
+            <a:off x="51291" y="1361852"/>
             <a:ext cx="4491300" cy="372600"/>
           </a:xfrm>
           <a:prstGeom prst="rect">
@@ -21671,7 +21825,7 @@
                 <a:cs typeface="Calibri"/>
                 <a:sym typeface="Calibri"/>
               </a:rPr>
-              <a:t>ChatGPT transforms equations to python functions</a:t>
+              <a:t>OpenAI ChatGPT transforms equations to python functions</a:t>
             </a:r>
             <a:endParaRPr sz="1300" b="1">
               <a:solidFill>
@@ -21726,7 +21880,7 @@
         </p:nvSpPr>
         <p:spPr>
           <a:xfrm>
-            <a:off x="40331" y="462588"/>
+            <a:off x="40331" y="386388"/>
             <a:ext cx="4491300" cy="926700"/>
           </a:xfrm>
           <a:prstGeom prst="rect">
@@ -21779,7 +21933,28 @@
                 <a:cs typeface="Calibri"/>
                 <a:sym typeface="Calibri"/>
               </a:rPr>
-              <a:t>: A smaller LM generates draft texts, then a larger LM used to verify and select the best draft. Result - better accuracy and faster speed.</a:t>
+              <a:t>: uses </a:t>
+            </a:r>
+            <a:r>
+              <a:rPr lang="en" sz="1300" b="1">
+                <a:solidFill>
+                  <a:srgbClr val="FF0000"/>
+                </a:solidFill>
+                <a:latin typeface="Calibri"/>
+                <a:ea typeface="Calibri"/>
+                <a:cs typeface="Calibri"/>
+                <a:sym typeface="Calibri"/>
+              </a:rPr>
+              <a:t>Speculative Decoding: </a:t>
+            </a:r>
+            <a:r>
+              <a:rPr lang="en" sz="1300">
+                <a:latin typeface="Calibri"/>
+                <a:ea typeface="Calibri"/>
+                <a:cs typeface="Calibri"/>
+                <a:sym typeface="Calibri"/>
+              </a:rPr>
+              <a:t>a smaller LM generates draft texts, then a larger LM used to verify and select the best draft. Result - better accuracy and faster speed. </a:t>
             </a:r>
             <a:endParaRPr sz="1300">
               <a:latin typeface="Calibri"/>
@@ -21828,7 +22003,7 @@
         </p:nvSpPr>
         <p:spPr>
           <a:xfrm>
-            <a:off x="51291" y="1988336"/>
+            <a:off x="51291" y="2195491"/>
             <a:ext cx="4491300" cy="1326900"/>
           </a:xfrm>
           <a:prstGeom prst="rect">
@@ -22080,8 +22255,8 @@
         </p:blipFill>
         <p:spPr>
           <a:xfrm>
-            <a:off x="4694991" y="152400"/>
-            <a:ext cx="4296609" cy="4260804"/>
+            <a:off x="4965950" y="122675"/>
+            <a:ext cx="3564825" cy="3535121"/>
           </a:xfrm>
           <a:prstGeom prst="rect">
             <a:avLst/>
@@ -22100,7 +22275,7 @@
         </p:nvSpPr>
         <p:spPr>
           <a:xfrm>
-            <a:off x="51291" y="3459611"/>
+            <a:off x="51291" y="3567099"/>
             <a:ext cx="4491300" cy="1527000"/>
           </a:xfrm>
           <a:prstGeom prst="rect">
@@ -22299,8 +22474,8 @@
         </p:nvSpPr>
         <p:spPr>
           <a:xfrm>
-            <a:off x="4694991" y="4616386"/>
-            <a:ext cx="4491300" cy="203100"/>
+            <a:off x="51300" y="1786475"/>
+            <a:ext cx="4491300" cy="357000"/>
           </a:xfrm>
           <a:prstGeom prst="rect">
             <a:avLst/>
@@ -22334,7 +22509,52 @@
               <a:buNone/>
             </a:pPr>
             <a:r>
-              <a:rPr lang="en" sz="1200">
+              <a:rPr lang="en" sz="1300" b="1">
+                <a:solidFill>
+                  <a:srgbClr val="FF0000"/>
+                </a:solidFill>
+                <a:latin typeface="Calibri"/>
+                <a:ea typeface="Calibri"/>
+                <a:cs typeface="Calibri"/>
+                <a:sym typeface="Calibri"/>
+              </a:rPr>
+              <a:t>OpenAI ChatGPT hits 200 million weekly users</a:t>
+            </a:r>
+            <a:endParaRPr sz="1300" b="1">
+              <a:solidFill>
+                <a:srgbClr val="FF0000"/>
+              </a:solidFill>
+              <a:latin typeface="Calibri"/>
+              <a:ea typeface="Calibri"/>
+              <a:cs typeface="Calibri"/>
+              <a:sym typeface="Calibri"/>
+            </a:endParaRPr>
+          </a:p>
+          <a:p>
+            <a:pPr marL="0" lvl="0" indent="0" algn="l" rtl="0">
+              <a:spcBef>
+                <a:spcPts val="0"/>
+              </a:spcBef>
+              <a:spcAft>
+                <a:spcPts val="0"/>
+              </a:spcAft>
+              <a:buNone/>
+            </a:pPr>
+            <a:r>
+              <a:rPr lang="en" sz="900" u="sng">
+                <a:solidFill>
+                  <a:schemeClr val="hlink"/>
+                </a:solidFill>
+                <a:latin typeface="Calibri"/>
+                <a:ea typeface="Calibri"/>
+                <a:cs typeface="Calibri"/>
+                <a:sym typeface="Calibri"/>
+                <a:hlinkClick r:id="rId8"/>
+              </a:rPr>
+              <a:t>https://www.theverge.com/2024/8/29/24231685/openai-chatgpt-200-million-weekly-users</a:t>
+            </a:r>
+            <a:r>
+              <a:rPr lang="en" sz="900">
                 <a:solidFill>
                   <a:schemeClr val="dk1"/>
                 </a:solidFill>
@@ -22343,9 +22563,9 @@
                 <a:cs typeface="Calibri"/>
                 <a:sym typeface="Calibri"/>
               </a:rPr>
-              <a:t>xxxxx</a:t>
-            </a:r>
-            <a:endParaRPr sz="1200">
+              <a:t> </a:t>
+            </a:r>
+            <a:endParaRPr sz="900">
               <a:solidFill>
                 <a:schemeClr val="dk1"/>
               </a:solidFill>
@@ -22357,6 +22577,72 @@
           </a:p>
         </p:txBody>
       </p:sp>
+      <p:pic>
+        <p:nvPicPr>
+          <p:cNvPr id="121" name="Google Shape;121;p20"/>
+          <p:cNvPicPr preferRelativeResize="0"/>
+          <p:nvPr/>
+        </p:nvPicPr>
+        <p:blipFill>
+          <a:blip r:embed="rId9" cstate="email">
+            <a:alphaModFix/>
+            <a:extLst>
+              <a:ext uri="{28A0092B-C50C-407E-A947-70E740481C1C}">
+                <a14:useLocalDpi xmlns:a14="http://schemas.microsoft.com/office/drawing/2010/main"/>
+              </a:ext>
+            </a:extLst>
+          </a:blip>
+          <a:stretch>
+            <a:fillRect/>
+          </a:stretch>
+        </p:blipFill>
+        <p:spPr>
+          <a:xfrm>
+            <a:off x="4857500" y="3805602"/>
+            <a:ext cx="1268410" cy="1296100"/>
+          </a:xfrm>
+          <a:prstGeom prst="rect">
+            <a:avLst/>
+          </a:prstGeom>
+          <a:noFill/>
+          <a:ln>
+            <a:noFill/>
+          </a:ln>
+        </p:spPr>
+      </p:pic>
+      <p:pic>
+        <p:nvPicPr>
+          <p:cNvPr id="122" name="Google Shape;122;p20"/>
+          <p:cNvPicPr preferRelativeResize="0"/>
+          <p:nvPr/>
+        </p:nvPicPr>
+        <p:blipFill>
+          <a:blip r:embed="rId10" cstate="email">
+            <a:alphaModFix/>
+            <a:extLst>
+              <a:ext uri="{28A0092B-C50C-407E-A947-70E740481C1C}">
+                <a14:useLocalDpi xmlns:a14="http://schemas.microsoft.com/office/drawing/2010/main"/>
+              </a:ext>
+            </a:extLst>
+          </a:blip>
+          <a:stretch>
+            <a:fillRect/>
+          </a:stretch>
+        </p:blipFill>
+        <p:spPr>
+          <a:xfrm>
+            <a:off x="6194111" y="3822343"/>
+            <a:ext cx="1268415" cy="1262585"/>
+          </a:xfrm>
+          <a:prstGeom prst="rect">
+            <a:avLst/>
+          </a:prstGeom>
+          <a:noFill/>
+          <a:ln>
+            <a:noFill/>
+          </a:ln>
+        </p:spPr>
+      </p:pic>
     </p:spTree>
   </p:cSld>
   <p:clrMapOvr>
@@ -22370,7 +22656,7 @@
   <p:cSld>
     <p:spTree>
       <p:nvGrpSpPr>
-        <p:cNvPr id="1" name="Shape 124"/>
+        <p:cNvPr id="1" name="Shape 126"/>
         <p:cNvGrpSpPr/>
         <p:nvPr/>
       </p:nvGrpSpPr>
@@ -22384,7 +22670,7 @@
       </p:grpSpPr>
       <p:sp>
         <p:nvSpPr>
-          <p:cNvPr id="125" name="Google Shape;125;p21"/>
+          <p:cNvPr id="127" name="Google Shape;127;p21"/>
           <p:cNvSpPr txBox="1"/>
           <p:nvPr/>
         </p:nvSpPr>
@@ -22447,13 +22733,13 @@
       </p:sp>
       <p:sp>
         <p:nvSpPr>
-          <p:cNvPr id="126" name="Google Shape;126;p21"/>
+          <p:cNvPr id="128" name="Google Shape;128;p21"/>
           <p:cNvSpPr txBox="1"/>
           <p:nvPr/>
         </p:nvSpPr>
         <p:spPr>
           <a:xfrm>
-            <a:off x="40331" y="462588"/>
+            <a:off x="40331" y="386388"/>
             <a:ext cx="4491300" cy="1095900"/>
           </a:xfrm>
           <a:prstGeom prst="rect">
@@ -22679,13 +22965,13 @@
       </p:sp>
       <p:sp>
         <p:nvSpPr>
-          <p:cNvPr id="127" name="Google Shape;127;p21"/>
+          <p:cNvPr id="129" name="Google Shape;129;p21"/>
           <p:cNvSpPr txBox="1"/>
           <p:nvPr/>
         </p:nvSpPr>
         <p:spPr>
           <a:xfrm>
-            <a:off x="49827" y="3306911"/>
+            <a:off x="49827" y="3727021"/>
             <a:ext cx="4491300" cy="572700"/>
           </a:xfrm>
           <a:prstGeom prst="rect">
@@ -22782,7 +23068,7 @@
       </p:sp>
       <p:pic>
         <p:nvPicPr>
-          <p:cNvPr id="128" name="Google Shape;128;p21"/>
+          <p:cNvPr id="130" name="Google Shape;130;p21"/>
           <p:cNvPicPr preferRelativeResize="0"/>
           <p:nvPr/>
         </p:nvPicPr>
@@ -22801,8 +23087,8 @@
         </p:blipFill>
         <p:spPr>
           <a:xfrm>
-            <a:off x="4585128" y="221850"/>
-            <a:ext cx="2351827" cy="1825876"/>
+            <a:off x="4600775" y="50175"/>
+            <a:ext cx="1844642" cy="1432124"/>
           </a:xfrm>
           <a:prstGeom prst="rect">
             <a:avLst/>
@@ -22815,13 +23101,13 @@
       </p:pic>
       <p:sp>
         <p:nvSpPr>
-          <p:cNvPr id="129" name="Google Shape;129;p21"/>
+          <p:cNvPr id="131" name="Google Shape;131;p21"/>
           <p:cNvSpPr txBox="1"/>
           <p:nvPr/>
         </p:nvSpPr>
         <p:spPr>
           <a:xfrm>
-            <a:off x="40316" y="1624600"/>
+            <a:off x="40316" y="1548400"/>
             <a:ext cx="4491300" cy="1126800"/>
           </a:xfrm>
           <a:prstGeom prst="rect">
@@ -22962,14 +23248,14 @@
       </p:sp>
       <p:sp>
         <p:nvSpPr>
-          <p:cNvPr id="130" name="Google Shape;130;p21"/>
+          <p:cNvPr id="132" name="Google Shape;132;p21"/>
           <p:cNvSpPr txBox="1"/>
           <p:nvPr/>
         </p:nvSpPr>
         <p:spPr>
           <a:xfrm>
-            <a:off x="49831" y="2835211"/>
-            <a:ext cx="4491300" cy="387900"/>
+            <a:off x="49826" y="2729750"/>
+            <a:ext cx="4033200" cy="942000"/>
           </a:xfrm>
           <a:prstGeom prst="rect">
             <a:avLst/>
@@ -23074,18 +23360,6 @@
               </a:rPr>
               <a:t>https://magic.dev</a:t>
             </a:r>
-            <a:r>
-              <a:rPr lang="en" sz="1200">
-                <a:solidFill>
-                  <a:schemeClr val="dk1"/>
-                </a:solidFill>
-                <a:latin typeface="Calibri"/>
-                <a:ea typeface="Calibri"/>
-                <a:cs typeface="Calibri"/>
-                <a:sym typeface="Calibri"/>
-              </a:rPr>
-              <a:t> </a:t>
-            </a:r>
             <a:endParaRPr sz="1200">
               <a:solidFill>
                 <a:schemeClr val="dk1"/>
@@ -23096,16 +23370,173 @@
               <a:sym typeface="Calibri"/>
             </a:endParaRPr>
           </a:p>
+          <a:p>
+            <a:pPr marL="0" lvl="0" indent="0" algn="l" rtl="0">
+              <a:spcBef>
+                <a:spcPts val="0"/>
+              </a:spcBef>
+              <a:spcAft>
+                <a:spcPts val="0"/>
+              </a:spcAft>
+              <a:buNone/>
+            </a:pPr>
+            <a:r>
+              <a:rPr lang="en" sz="1200">
+                <a:solidFill>
+                  <a:schemeClr val="dk1"/>
+                </a:solidFill>
+                <a:latin typeface="Calibri"/>
+                <a:ea typeface="Calibri"/>
+                <a:cs typeface="Calibri"/>
+                <a:sym typeface="Calibri"/>
+              </a:rPr>
+              <a:t>Note: Magic  </a:t>
+            </a:r>
+            <a:r>
+              <a:rPr lang="en" sz="1200" b="1">
+                <a:solidFill>
+                  <a:srgbClr val="FF0000"/>
+                </a:solidFill>
+                <a:latin typeface="Calibri"/>
+                <a:ea typeface="Calibri"/>
+                <a:cs typeface="Calibri"/>
+                <a:sym typeface="Calibri"/>
+              </a:rPr>
+              <a:t>LTM-2-Mini</a:t>
+            </a:r>
+            <a:r>
+              <a:rPr lang="en" sz="1200">
+                <a:solidFill>
+                  <a:schemeClr val="dk1"/>
+                </a:solidFill>
+                <a:latin typeface="Calibri"/>
+                <a:ea typeface="Calibri"/>
+                <a:cs typeface="Calibri"/>
+                <a:sym typeface="Calibri"/>
+              </a:rPr>
+              <a:t> has 100 Mln tokens context length !! </a:t>
+            </a:r>
+            <a:endParaRPr sz="1200">
+              <a:solidFill>
+                <a:schemeClr val="dk1"/>
+              </a:solidFill>
+              <a:latin typeface="Calibri"/>
+              <a:ea typeface="Calibri"/>
+              <a:cs typeface="Calibri"/>
+              <a:sym typeface="Calibri"/>
+            </a:endParaRPr>
+          </a:p>
+          <a:p>
+            <a:pPr marL="0" lvl="0" indent="0" algn="l" rtl="0">
+              <a:spcBef>
+                <a:spcPts val="0"/>
+              </a:spcBef>
+              <a:spcAft>
+                <a:spcPts val="0"/>
+              </a:spcAft>
+              <a:buNone/>
+            </a:pPr>
+            <a:r>
+              <a:rPr lang="en" sz="1200">
+                <a:solidFill>
+                  <a:schemeClr val="dk1"/>
+                </a:solidFill>
+                <a:latin typeface="Calibri"/>
+                <a:ea typeface="Calibri"/>
+                <a:cs typeface="Calibri"/>
+                <a:sym typeface="Calibri"/>
+              </a:rPr>
+              <a:t>(not a typo). </a:t>
+            </a:r>
+            <a:r>
+              <a:rPr lang="en" sz="1200" b="1">
+                <a:solidFill>
+                  <a:srgbClr val="3C78D8"/>
+                </a:solidFill>
+                <a:latin typeface="Calibri"/>
+                <a:ea typeface="Calibri"/>
+                <a:cs typeface="Calibri"/>
+                <a:sym typeface="Calibri"/>
+              </a:rPr>
+              <a:t>LTM = Long-Term Memory</a:t>
+            </a:r>
+            <a:r>
+              <a:rPr lang="en" sz="1200">
+                <a:solidFill>
+                  <a:schemeClr val="dk1"/>
+                </a:solidFill>
+                <a:latin typeface="Calibri"/>
+                <a:ea typeface="Calibri"/>
+                <a:cs typeface="Calibri"/>
+                <a:sym typeface="Calibri"/>
+              </a:rPr>
+              <a:t>.</a:t>
+            </a:r>
+            <a:endParaRPr sz="1200">
+              <a:solidFill>
+                <a:schemeClr val="dk1"/>
+              </a:solidFill>
+              <a:latin typeface="Calibri"/>
+              <a:ea typeface="Calibri"/>
+              <a:cs typeface="Calibri"/>
+              <a:sym typeface="Calibri"/>
+            </a:endParaRPr>
+          </a:p>
+          <a:p>
+            <a:pPr marL="0" lvl="0" indent="0" algn="l" rtl="0">
+              <a:spcBef>
+                <a:spcPts val="0"/>
+              </a:spcBef>
+              <a:spcAft>
+                <a:spcPts val="0"/>
+              </a:spcAft>
+              <a:buNone/>
+            </a:pPr>
+            <a:r>
+              <a:rPr lang="en" sz="1200" u="sng">
+                <a:solidFill>
+                  <a:schemeClr val="hlink"/>
+                </a:solidFill>
+                <a:latin typeface="Calibri"/>
+                <a:ea typeface="Calibri"/>
+                <a:cs typeface="Calibri"/>
+                <a:sym typeface="Calibri"/>
+                <a:hlinkClick r:id="rId9"/>
+              </a:rPr>
+              <a:t>https://magic.dev/blog/100m-token-context-windows</a:t>
+            </a:r>
+            <a:r>
+              <a:rPr lang="en" sz="1200">
+                <a:solidFill>
+                  <a:schemeClr val="dk1"/>
+                </a:solidFill>
+                <a:latin typeface="Calibri"/>
+                <a:ea typeface="Calibri"/>
+                <a:cs typeface="Calibri"/>
+                <a:sym typeface="Calibri"/>
+              </a:rPr>
+              <a:t> </a:t>
+            </a:r>
+            <a:endParaRPr sz="1200">
+              <a:solidFill>
+                <a:schemeClr val="dk1"/>
+              </a:solidFill>
+              <a:latin typeface="Calibri"/>
+              <a:ea typeface="Calibri"/>
+              <a:cs typeface="Calibri"/>
+              <a:sym typeface="Calibri"/>
+            </a:endParaRPr>
+          </a:p>
         </p:txBody>
       </p:sp>
       <p:pic>
         <p:nvPicPr>
-          <p:cNvPr id="131" name="Google Shape;131;p21"/>
+          <p:cNvPr id="133" name="Google Shape;133;p21"/>
           <p:cNvPicPr preferRelativeResize="0"/>
           <p:nvPr/>
         </p:nvPicPr>
         <p:blipFill>
-          <a:blip r:embed="rId9" cstate="email">
+          <a:blip r:embed="rId10" cstate="email">
             <a:alphaModFix/>
             <a:extLst>
               <a:ext uri="{28A0092B-C50C-407E-A947-70E740481C1C}">
@@ -23119,7 +23550,7 @@
         </p:blipFill>
         <p:spPr>
           <a:xfrm>
-            <a:off x="4644951" y="2835200"/>
+            <a:off x="4191276" y="2919775"/>
             <a:ext cx="1301175" cy="403550"/>
           </a:xfrm>
           <a:prstGeom prst="rect">
@@ -23139,13 +23570,13 @@
       </p:pic>
       <p:sp>
         <p:nvSpPr>
-          <p:cNvPr id="132" name="Google Shape;132;p21"/>
+          <p:cNvPr id="134" name="Google Shape;134;p21"/>
           <p:cNvSpPr txBox="1"/>
           <p:nvPr/>
         </p:nvSpPr>
         <p:spPr>
           <a:xfrm>
-            <a:off x="49827" y="3963411"/>
+            <a:off x="49827" y="4344411"/>
             <a:ext cx="4491300" cy="757200"/>
           </a:xfrm>
           <a:prstGeom prst="rect">
@@ -23233,7 +23664,87 @@
                 <a:cs typeface="Calibri"/>
                 <a:sym typeface="Calibri"/>
               </a:rPr>
-              <a:t> AI startups have achieved nearly 30 deals over $100M in 2024</a:t>
+              <a:t> AI startups have achieved nearly </a:t>
+            </a:r>
+            <a:r>
+              <a:rPr lang="en" sz="1200" b="1">
+                <a:solidFill>
+                  <a:srgbClr val="3C78D8"/>
+                </a:solidFill>
+                <a:latin typeface="Calibri"/>
+                <a:ea typeface="Calibri"/>
+                <a:cs typeface="Calibri"/>
+                <a:sym typeface="Calibri"/>
+              </a:rPr>
+              <a:t>30 deals over $100M in 2024</a:t>
+            </a:r>
+            <a:endParaRPr sz="1200" b="1">
+              <a:solidFill>
+                <a:srgbClr val="3C78D8"/>
+              </a:solidFill>
+              <a:latin typeface="Calibri"/>
+              <a:ea typeface="Calibri"/>
+              <a:cs typeface="Calibri"/>
+              <a:sym typeface="Calibri"/>
+            </a:endParaRPr>
+          </a:p>
+          <a:p>
+            <a:pPr marL="0" lvl="0" indent="0" algn="l" rtl="0">
+              <a:spcBef>
+                <a:spcPts val="0"/>
+              </a:spcBef>
+              <a:spcAft>
+                <a:spcPts val="0"/>
+              </a:spcAft>
+              <a:buNone/>
+            </a:pPr>
+            <a:r>
+              <a:rPr lang="en" sz="1200" b="1">
+                <a:solidFill>
+                  <a:srgbClr val="FF0000"/>
+                </a:solidFill>
+                <a:latin typeface="Calibri"/>
+                <a:ea typeface="Calibri"/>
+                <a:cs typeface="Calibri"/>
+                <a:sym typeface="Calibri"/>
+              </a:rPr>
+              <a:t>Europe:</a:t>
+            </a:r>
+            <a:r>
+              <a:rPr lang="en" sz="1200" b="1">
+                <a:solidFill>
+                  <a:schemeClr val="dk1"/>
+                </a:solidFill>
+                <a:latin typeface="Calibri"/>
+                <a:ea typeface="Calibri"/>
+                <a:cs typeface="Calibri"/>
+                <a:sym typeface="Calibri"/>
+              </a:rPr>
+              <a:t> </a:t>
+            </a:r>
+            <a:r>
+              <a:rPr lang="en" sz="1200" b="1">
+                <a:solidFill>
+                  <a:srgbClr val="3C78D8"/>
+                </a:solidFill>
+                <a:latin typeface="Calibri"/>
+                <a:ea typeface="Calibri"/>
+                <a:cs typeface="Calibri"/>
+                <a:sym typeface="Calibri"/>
+              </a:rPr>
+              <a:t>WAYVE ($1B), Mistral AI (~$1B), Helsing ($484M), Poolside ($400M), DeepL ($320M), H ($220M), and Flo Health ($200M)</a:t>
+            </a:r>
+            <a:r>
+              <a:rPr lang="en" sz="1200">
+                <a:solidFill>
+                  <a:schemeClr val="dk1"/>
+                </a:solidFill>
+                <a:latin typeface="Calibri"/>
+                <a:ea typeface="Calibri"/>
+                <a:cs typeface="Calibri"/>
+                <a:sym typeface="Calibri"/>
+              </a:rPr>
+              <a:t>. </a:t>
             </a:r>
             <a:endParaRPr sz="1200">
               <a:solidFill>
@@ -23245,6 +23756,40 @@
               <a:sym typeface="Calibri"/>
             </a:endParaRPr>
           </a:p>
+        </p:txBody>
+      </p:sp>
+      <p:sp>
+        <p:nvSpPr>
+          <p:cNvPr id="135" name="Google Shape;135;p21"/>
+          <p:cNvSpPr txBox="1"/>
+          <p:nvPr/>
+        </p:nvSpPr>
+        <p:spPr>
+          <a:xfrm>
+            <a:off x="5373750" y="3780300"/>
+            <a:ext cx="3690300" cy="1249800"/>
+          </a:xfrm>
+          <a:prstGeom prst="rect">
+            <a:avLst/>
+          </a:prstGeom>
+          <a:solidFill>
+            <a:srgbClr val="FFF2CC"/>
+          </a:solidFill>
+          <a:ln w="9525" cap="flat" cmpd="sng">
+            <a:solidFill>
+              <a:srgbClr val="FF0000"/>
+            </a:solidFill>
+            <a:prstDash val="solid"/>
+            <a:round/>
+            <a:headEnd type="none" w="sm" len="sm"/>
+            <a:tailEnd type="none" w="sm" len="sm"/>
+          </a:ln>
+        </p:spPr>
+        <p:txBody>
+          <a:bodyPr spcFirstLastPara="1" wrap="square" lIns="9125" tIns="9125" rIns="9125" bIns="9125" anchor="t" anchorCtr="0">
+            <a:spAutoFit/>
+          </a:bodyPr>
+          <a:lstStyle/>
           <a:p>
             <a:pPr marL="0" lvl="0" indent="0" algn="l" rtl="0">
               <a:spcBef>
@@ -23265,11 +23810,35 @@
                 <a:cs typeface="Calibri"/>
                 <a:sym typeface="Calibri"/>
               </a:rPr>
-              <a:t>Europe:</a:t>
+              <a:t>Llama models ~ 350 Mln downloads on Hugging Face</a:t>
+            </a:r>
+            <a:r>
+              <a:rPr lang="en" sz="1200">
+                <a:solidFill>
+                  <a:schemeClr val="dk1"/>
+                </a:solidFill>
+                <a:latin typeface="Calibri"/>
+                <a:ea typeface="Calibri"/>
+                <a:cs typeface="Calibri"/>
+                <a:sym typeface="Calibri"/>
+              </a:rPr>
+              <a:t>, marking an over </a:t>
             </a:r>
             <a:r>
               <a:rPr lang="en" sz="1200" b="1">
                 <a:solidFill>
+                  <a:srgbClr val="3C78D8"/>
+                </a:solidFill>
+                <a:latin typeface="Calibri"/>
+                <a:ea typeface="Calibri"/>
+                <a:cs typeface="Calibri"/>
+                <a:sym typeface="Calibri"/>
+              </a:rPr>
+              <a:t>x10-fold increase from a year ago</a:t>
+            </a:r>
+            <a:r>
+              <a:rPr lang="en" sz="1200">
+                <a:solidFill>
                   <a:schemeClr val="dk1"/>
                 </a:solidFill>
                 <a:latin typeface="Calibri"/>
@@ -23277,7 +23846,19 @@
                 <a:cs typeface="Calibri"/>
                 <a:sym typeface="Calibri"/>
               </a:rPr>
-              <a:t> </a:t>
+              <a:t>. Llama usage </a:t>
+            </a:r>
+            <a:r>
+              <a:rPr lang="en" sz="1200" b="1">
+                <a:solidFill>
+                  <a:srgbClr val="3C78D8"/>
+                </a:solidFill>
+                <a:latin typeface="Calibri"/>
+                <a:ea typeface="Calibri"/>
+                <a:cs typeface="Calibri"/>
+                <a:sym typeface="Calibri"/>
+              </a:rPr>
+              <a:t>doubled May through July 2024</a:t>
             </a:r>
             <a:r>
               <a:rPr lang="en" sz="1200">
@@ -23289,7 +23870,7 @@
                 <a:cs typeface="Calibri"/>
                 <a:sym typeface="Calibri"/>
               </a:rPr>
-              <a:t>WAYVE ($1B), Mistral AI (~$1B), Helsing ($484M), Poolside ($400M), DeepL ($320M), H ($220M), and Flo Health ($200M). </a:t>
+              <a:t>. Adoption increases, including large enterprises like Zoom, Spotify, Infosys, AT&amp;T and Goldman Sachs.</a:t>
             </a:r>
             <a:endParaRPr sz="1200">
               <a:solidFill>
@@ -23301,8 +23882,269 @@
               <a:sym typeface="Calibri"/>
             </a:endParaRPr>
           </a:p>
+          <a:p>
+            <a:pPr marL="0" lvl="0" indent="0" algn="l" rtl="0">
+              <a:spcBef>
+                <a:spcPts val="0"/>
+              </a:spcBef>
+              <a:spcAft>
+                <a:spcPts val="0"/>
+              </a:spcAft>
+              <a:buNone/>
+            </a:pPr>
+            <a:r>
+              <a:rPr lang="en" sz="1000" u="sng">
+                <a:solidFill>
+                  <a:schemeClr val="hlink"/>
+                </a:solidFill>
+                <a:latin typeface="Calibri"/>
+                <a:ea typeface="Calibri"/>
+                <a:cs typeface="Calibri"/>
+                <a:sym typeface="Calibri"/>
+                <a:hlinkClick r:id="rId11"/>
+              </a:rPr>
+              <a:t>https://venturebeat.com/ai/meta-leads-open-source-ai-boom-llama-downloads-surge-10x-year-over-year/</a:t>
+            </a:r>
+            <a:r>
+              <a:rPr lang="en" sz="1000">
+                <a:solidFill>
+                  <a:schemeClr val="dk1"/>
+                </a:solidFill>
+                <a:latin typeface="Calibri"/>
+                <a:ea typeface="Calibri"/>
+                <a:cs typeface="Calibri"/>
+                <a:sym typeface="Calibri"/>
+              </a:rPr>
+              <a:t> </a:t>
+            </a:r>
+            <a:endParaRPr sz="1000">
+              <a:solidFill>
+                <a:schemeClr val="dk1"/>
+              </a:solidFill>
+              <a:latin typeface="Calibri"/>
+              <a:ea typeface="Calibri"/>
+              <a:cs typeface="Calibri"/>
+              <a:sym typeface="Calibri"/>
+            </a:endParaRPr>
+          </a:p>
         </p:txBody>
       </p:sp>
+      <p:pic>
+        <p:nvPicPr>
+          <p:cNvPr id="136" name="Google Shape;136;p21"/>
+          <p:cNvPicPr preferRelativeResize="0"/>
+          <p:nvPr/>
+        </p:nvPicPr>
+        <p:blipFill>
+          <a:blip r:embed="rId12" cstate="email">
+            <a:alphaModFix/>
+            <a:extLst>
+              <a:ext uri="{28A0092B-C50C-407E-A947-70E740481C1C}">
+                <a14:useLocalDpi xmlns:a14="http://schemas.microsoft.com/office/drawing/2010/main"/>
+              </a:ext>
+            </a:extLst>
+          </a:blip>
+          <a:stretch>
+            <a:fillRect/>
+          </a:stretch>
+        </p:blipFill>
+        <p:spPr>
+          <a:xfrm>
+            <a:off x="7571769" y="2859994"/>
+            <a:ext cx="1492175" cy="827900"/>
+          </a:xfrm>
+          <a:prstGeom prst="rect">
+            <a:avLst/>
+          </a:prstGeom>
+          <a:noFill/>
+          <a:ln>
+            <a:noFill/>
+          </a:ln>
+        </p:spPr>
+      </p:pic>
+      <p:sp>
+        <p:nvSpPr>
+          <p:cNvPr id="137" name="Google Shape;137;p21"/>
+          <p:cNvSpPr txBox="1"/>
+          <p:nvPr/>
+        </p:nvSpPr>
+        <p:spPr>
+          <a:xfrm>
+            <a:off x="5115625" y="1548400"/>
+            <a:ext cx="3948600" cy="895800"/>
+          </a:xfrm>
+          <a:prstGeom prst="rect">
+            <a:avLst/>
+          </a:prstGeom>
+          <a:solidFill>
+            <a:srgbClr val="FFF2CC"/>
+          </a:solidFill>
+          <a:ln w="9525" cap="flat" cmpd="sng">
+            <a:solidFill>
+              <a:srgbClr val="FF0000"/>
+            </a:solidFill>
+            <a:prstDash val="solid"/>
+            <a:round/>
+            <a:headEnd type="none" w="sm" len="sm"/>
+            <a:tailEnd type="none" w="sm" len="sm"/>
+          </a:ln>
+        </p:spPr>
+        <p:txBody>
+          <a:bodyPr spcFirstLastPara="1" wrap="square" lIns="9125" tIns="9125" rIns="9125" bIns="9125" anchor="t" anchorCtr="0">
+            <a:spAutoFit/>
+          </a:bodyPr>
+          <a:lstStyle/>
+          <a:p>
+            <a:pPr marL="0" lvl="0" indent="0" algn="l" rtl="0">
+              <a:spcBef>
+                <a:spcPts val="0"/>
+              </a:spcBef>
+              <a:spcAft>
+                <a:spcPts val="0"/>
+              </a:spcAft>
+              <a:buNone/>
+            </a:pPr>
+            <a:r>
+              <a:rPr lang="en" sz="1300" b="1">
+                <a:solidFill>
+                  <a:srgbClr val="FF0000"/>
+                </a:solidFill>
+                <a:latin typeface="Calibri"/>
+                <a:ea typeface="Calibri"/>
+                <a:cs typeface="Calibri"/>
+                <a:sym typeface="Calibri"/>
+              </a:rPr>
+              <a:t>Alibaba releases Qwen2-VL</a:t>
+            </a:r>
+            <a:r>
+              <a:rPr lang="en" sz="1300">
+                <a:latin typeface="Calibri"/>
+                <a:ea typeface="Calibri"/>
+                <a:cs typeface="Calibri"/>
+                <a:sym typeface="Calibri"/>
+              </a:rPr>
+              <a:t>, SOTA vision model that can understand video up to 20 minutes and maintain flow of conversation in real-time. See on Huggingface</a:t>
+            </a:r>
+            <a:endParaRPr sz="1300">
+              <a:latin typeface="Calibri"/>
+              <a:ea typeface="Calibri"/>
+              <a:cs typeface="Calibri"/>
+              <a:sym typeface="Calibri"/>
+            </a:endParaRPr>
+          </a:p>
+          <a:p>
+            <a:pPr marL="0" lvl="0" indent="0" algn="l" rtl="0">
+              <a:spcBef>
+                <a:spcPts val="0"/>
+              </a:spcBef>
+              <a:spcAft>
+                <a:spcPts val="0"/>
+              </a:spcAft>
+              <a:buNone/>
+            </a:pPr>
+            <a:r>
+              <a:rPr lang="en" sz="900" u="sng">
+                <a:solidFill>
+                  <a:schemeClr val="hlink"/>
+                </a:solidFill>
+                <a:latin typeface="Calibri"/>
+                <a:ea typeface="Calibri"/>
+                <a:cs typeface="Calibri"/>
+                <a:sym typeface="Calibri"/>
+                <a:hlinkClick r:id="rId13"/>
+              </a:rPr>
+              <a:t>https://huggingface.co/collections/Qwen/qwen2-vl-66cee7455501d7126940800d</a:t>
+            </a:r>
+            <a:r>
+              <a:rPr lang="en" sz="900">
+                <a:latin typeface="Calibri"/>
+                <a:ea typeface="Calibri"/>
+                <a:cs typeface="Calibri"/>
+                <a:sym typeface="Calibri"/>
+              </a:rPr>
+              <a:t> </a:t>
+            </a:r>
+            <a:endParaRPr sz="900">
+              <a:latin typeface="Calibri"/>
+              <a:ea typeface="Calibri"/>
+              <a:cs typeface="Calibri"/>
+              <a:sym typeface="Calibri"/>
+            </a:endParaRPr>
+          </a:p>
+          <a:p>
+            <a:pPr marL="0" lvl="0" indent="0" algn="l" rtl="0">
+              <a:spcBef>
+                <a:spcPts val="0"/>
+              </a:spcBef>
+              <a:spcAft>
+                <a:spcPts val="0"/>
+              </a:spcAft>
+              <a:buNone/>
+            </a:pPr>
+            <a:r>
+              <a:rPr lang="en" sz="900" u="sng">
+                <a:solidFill>
+                  <a:schemeClr val="hlink"/>
+                </a:solidFill>
+                <a:latin typeface="Calibri"/>
+                <a:ea typeface="Calibri"/>
+                <a:cs typeface="Calibri"/>
+                <a:sym typeface="Calibri"/>
+                <a:hlinkClick r:id="rId14"/>
+              </a:rPr>
+              <a:t>https://x.com/minchoi/status/1829543584489668927</a:t>
+            </a:r>
+            <a:endParaRPr sz="900">
+              <a:solidFill>
+                <a:schemeClr val="dk1"/>
+              </a:solidFill>
+              <a:latin typeface="Calibri"/>
+              <a:ea typeface="Calibri"/>
+              <a:cs typeface="Calibri"/>
+              <a:sym typeface="Calibri"/>
+            </a:endParaRPr>
+          </a:p>
+        </p:txBody>
+      </p:sp>
+      <p:pic>
+        <p:nvPicPr>
+          <p:cNvPr id="138" name="Google Shape;138;p21"/>
+          <p:cNvPicPr preferRelativeResize="0"/>
+          <p:nvPr/>
+        </p:nvPicPr>
+        <p:blipFill>
+          <a:blip r:embed="rId15" cstate="email">
+            <a:alphaModFix/>
+            <a:extLst>
+              <a:ext uri="{28A0092B-C50C-407E-A947-70E740481C1C}">
+                <a14:useLocalDpi xmlns:a14="http://schemas.microsoft.com/office/drawing/2010/main"/>
+              </a:ext>
+            </a:extLst>
+          </a:blip>
+          <a:stretch>
+            <a:fillRect/>
+          </a:stretch>
+        </p:blipFill>
+        <p:spPr>
+          <a:xfrm>
+            <a:off x="7571775" y="365546"/>
+            <a:ext cx="1492175" cy="1007429"/>
+          </a:xfrm>
+          <a:prstGeom prst="rect">
+            <a:avLst/>
+          </a:prstGeom>
+          <a:noFill/>
+          <a:ln w="9525" cap="flat" cmpd="sng">
+            <a:solidFill>
+              <a:srgbClr val="FF0000"/>
+            </a:solidFill>
+            <a:prstDash val="solid"/>
+            <a:round/>
+            <a:headEnd type="none" w="sm" len="sm"/>
+            <a:tailEnd type="none" w="sm" len="sm"/>
+          </a:ln>
+        </p:spPr>
+      </p:pic>
     </p:spTree>
   </p:cSld>
   <p:clrMapOvr>
@@ -23316,7 +24158,7 @@
   <p:cSld>
     <p:spTree>
       <p:nvGrpSpPr>
-        <p:cNvPr id="1" name="Shape 136"/>
+        <p:cNvPr id="1" name="Shape 142"/>
         <p:cNvGrpSpPr/>
         <p:nvPr/>
       </p:nvGrpSpPr>
@@ -23330,7 +24172,7 @@
       </p:grpSpPr>
       <p:sp>
         <p:nvSpPr>
-          <p:cNvPr id="137" name="Google Shape;137;p22"/>
+          <p:cNvPr id="143" name="Google Shape;143;p22"/>
           <p:cNvSpPr txBox="1"/>
           <p:nvPr/>
         </p:nvSpPr>
@@ -23393,7 +24235,7 @@
       </p:sp>
       <p:sp>
         <p:nvSpPr>
-          <p:cNvPr id="138" name="Google Shape;138;p22"/>
+          <p:cNvPr id="144" name="Google Shape;144;p22"/>
           <p:cNvSpPr txBox="1"/>
           <p:nvPr/>
         </p:nvSpPr>
@@ -23965,7 +24807,7 @@
       </p:sp>
       <p:sp>
         <p:nvSpPr>
-          <p:cNvPr id="139" name="Google Shape;139;p22"/>
+          <p:cNvPr id="145" name="Google Shape;145;p22"/>
           <p:cNvSpPr txBox="1"/>
           <p:nvPr/>
         </p:nvSpPr>
@@ -24122,7 +24964,7 @@
       </p:sp>
       <p:pic>
         <p:nvPicPr>
-          <p:cNvPr id="140" name="Google Shape;140;p22"/>
+          <p:cNvPr id="146" name="Google Shape;146;p22"/>
           <p:cNvPicPr preferRelativeResize="0"/>
           <p:nvPr/>
         </p:nvPicPr>
@@ -24160,7 +25002,7 @@
       </p:pic>
       <p:pic>
         <p:nvPicPr>
-          <p:cNvPr id="141" name="Google Shape;141;p22"/>
+          <p:cNvPr id="147" name="Google Shape;147;p22"/>
           <p:cNvPicPr preferRelativeResize="0"/>
           <p:nvPr/>
         </p:nvPicPr>
@@ -24199,7 +25041,7 @@
       </p:pic>
       <p:sp>
         <p:nvSpPr>
-          <p:cNvPr id="142" name="Google Shape;142;p22"/>
+          <p:cNvPr id="148" name="Google Shape;148;p22"/>
           <p:cNvSpPr txBox="1"/>
           <p:nvPr/>
         </p:nvSpPr>
@@ -24388,7 +25230,7 @@
       </p:sp>
       <p:sp>
         <p:nvSpPr>
-          <p:cNvPr id="143" name="Google Shape;143;p22"/>
+          <p:cNvPr id="149" name="Google Shape;149;p22"/>
           <p:cNvSpPr txBox="1"/>
           <p:nvPr/>
         </p:nvSpPr>
